--- a/Paper/Paper_Figures/Cartoon_of_soft_sweeps.pptx
+++ b/Paper/Paper_Figures/Cartoon_of_soft_sweeps.pptx
@@ -4636,8 +4636,8 @@
         </p:nvSpPr>
         <p:spPr>
           <a:xfrm>
-            <a:off x="6478377" y="-1379587"/>
-            <a:ext cx="2736402" cy="3250980"/>
+            <a:off x="6377733" y="-1379587"/>
+            <a:ext cx="2837046" cy="3250980"/>
           </a:xfrm>
           <a:prstGeom prst="rect">
             <a:avLst/>
@@ -4691,8 +4691,8 @@
         </p:nvSpPr>
         <p:spPr>
           <a:xfrm>
-            <a:off x="6469703" y="1833664"/>
-            <a:ext cx="5007092" cy="312385"/>
+            <a:off x="6377733" y="1833664"/>
+            <a:ext cx="5099062" cy="312385"/>
           </a:xfrm>
           <a:prstGeom prst="rect">
             <a:avLst/>
@@ -11315,7 +11315,7 @@
         </p:nvCxnSpPr>
         <p:spPr>
           <a:xfrm flipV="1">
-            <a:off x="6602895" y="1204993"/>
+            <a:off x="6475895" y="1204993"/>
             <a:ext cx="591939" cy="628671"/>
           </a:xfrm>
           <a:prstGeom prst="line">
@@ -11351,7 +11351,7 @@
         </p:nvCxnSpPr>
         <p:spPr>
           <a:xfrm flipH="1" flipV="1">
-            <a:off x="7194835" y="1189199"/>
+            <a:off x="7067835" y="1189199"/>
             <a:ext cx="249932" cy="657784"/>
           </a:xfrm>
           <a:prstGeom prst="line">
@@ -11387,7 +11387,7 @@
         </p:nvCxnSpPr>
         <p:spPr>
           <a:xfrm flipV="1">
-            <a:off x="6844862" y="1371225"/>
+            <a:off x="6717862" y="1371225"/>
             <a:ext cx="428396" cy="470266"/>
           </a:xfrm>
           <a:prstGeom prst="line">
@@ -11423,7 +11423,7 @@
         </p:nvCxnSpPr>
         <p:spPr>
           <a:xfrm flipH="1" flipV="1">
-            <a:off x="7308182" y="1510585"/>
+            <a:off x="7181182" y="1510585"/>
             <a:ext cx="428661" cy="330907"/>
           </a:xfrm>
           <a:prstGeom prst="line">
@@ -11459,7 +11459,7 @@
         </p:nvCxnSpPr>
         <p:spPr>
           <a:xfrm flipV="1">
-            <a:off x="8253532" y="931071"/>
+            <a:off x="8126532" y="931071"/>
             <a:ext cx="190028" cy="898520"/>
           </a:xfrm>
           <a:prstGeom prst="line">
@@ -11495,7 +11495,7 @@
         </p:nvCxnSpPr>
         <p:spPr>
           <a:xfrm flipV="1">
-            <a:off x="8810507" y="1506778"/>
+            <a:off x="8683507" y="1506778"/>
             <a:ext cx="170399" cy="361230"/>
           </a:xfrm>
           <a:prstGeom prst="line">
@@ -11531,7 +11531,7 @@
         </p:nvCxnSpPr>
         <p:spPr>
           <a:xfrm flipH="1" flipV="1">
-            <a:off x="8983108" y="1495853"/>
+            <a:off x="8856108" y="1495853"/>
             <a:ext cx="280970" cy="372155"/>
           </a:xfrm>
           <a:prstGeom prst="line">
@@ -11567,7 +11567,7 @@
         </p:nvCxnSpPr>
         <p:spPr>
           <a:xfrm flipH="1" flipV="1">
-            <a:off x="7933849" y="343517"/>
+            <a:off x="7806849" y="343517"/>
             <a:ext cx="1047057" cy="1167068"/>
           </a:xfrm>
           <a:prstGeom prst="line">
@@ -11603,7 +11603,7 @@
         </p:nvCxnSpPr>
         <p:spPr>
           <a:xfrm flipH="1" flipV="1">
-            <a:off x="8341150" y="1410979"/>
+            <a:off x="8214150" y="1410979"/>
             <a:ext cx="230118" cy="430512"/>
           </a:xfrm>
           <a:prstGeom prst="line">
@@ -11639,7 +11639,7 @@
         </p:nvCxnSpPr>
         <p:spPr>
           <a:xfrm>
-            <a:off x="8341150" y="822702"/>
+            <a:off x="8214150" y="822702"/>
             <a:ext cx="102410" cy="108369"/>
           </a:xfrm>
           <a:prstGeom prst="line">
@@ -11675,7 +11675,7 @@
         </p:nvCxnSpPr>
         <p:spPr>
           <a:xfrm flipH="1" flipV="1">
-            <a:off x="7388111" y="946947"/>
+            <a:off x="7261111" y="946947"/>
             <a:ext cx="678072" cy="900036"/>
           </a:xfrm>
           <a:prstGeom prst="line">
@@ -11711,7 +11711,7 @@
         </p:nvCxnSpPr>
         <p:spPr>
           <a:xfrm flipV="1">
-            <a:off x="7190972" y="318932"/>
+            <a:off x="7063972" y="318932"/>
             <a:ext cx="742877" cy="879873"/>
           </a:xfrm>
           <a:prstGeom prst="line">
@@ -11747,7 +11747,7 @@
         </p:nvSpPr>
         <p:spPr>
           <a:xfrm>
-            <a:off x="7527967" y="416581"/>
+            <a:off x="7400967" y="416581"/>
             <a:ext cx="403680" cy="261842"/>
           </a:xfrm>
           <a:prstGeom prst="star5">
@@ -11794,7 +11794,7 @@
         </p:nvCxnSpPr>
         <p:spPr>
           <a:xfrm flipH="1" flipV="1">
-            <a:off x="6851212" y="1820593"/>
+            <a:off x="6724212" y="1820593"/>
             <a:ext cx="3672" cy="347681"/>
           </a:xfrm>
           <a:prstGeom prst="line">
@@ -11830,7 +11830,7 @@
         </p:nvCxnSpPr>
         <p:spPr>
           <a:xfrm flipH="1" flipV="1">
-            <a:off x="6609245" y="1839392"/>
+            <a:off x="6482245" y="1839392"/>
             <a:ext cx="3672" cy="347681"/>
           </a:xfrm>
           <a:prstGeom prst="line">
@@ -11866,7 +11866,7 @@
         </p:nvCxnSpPr>
         <p:spPr>
           <a:xfrm flipH="1" flipV="1">
-            <a:off x="7734379" y="1827314"/>
+            <a:off x="7607379" y="1827314"/>
             <a:ext cx="3672" cy="347681"/>
           </a:xfrm>
           <a:prstGeom prst="line">
@@ -11902,7 +11902,7 @@
         </p:nvCxnSpPr>
         <p:spPr>
           <a:xfrm flipH="1" flipV="1">
-            <a:off x="7441612" y="1827063"/>
+            <a:off x="7314612" y="1827063"/>
             <a:ext cx="3672" cy="347681"/>
           </a:xfrm>
           <a:prstGeom prst="line">
@@ -11938,7 +11938,7 @@
         </p:nvCxnSpPr>
         <p:spPr>
           <a:xfrm flipH="1" flipV="1">
-            <a:off x="8066183" y="1827314"/>
+            <a:off x="7939183" y="1827314"/>
             <a:ext cx="3672" cy="347681"/>
           </a:xfrm>
           <a:prstGeom prst="line">
@@ -11974,7 +11974,7 @@
         </p:nvCxnSpPr>
         <p:spPr>
           <a:xfrm flipH="1" flipV="1">
-            <a:off x="8249860" y="1828791"/>
+            <a:off x="8122860" y="1828791"/>
             <a:ext cx="3672" cy="347681"/>
           </a:xfrm>
           <a:prstGeom prst="line">
@@ -12010,7 +12010,7 @@
         </p:nvCxnSpPr>
         <p:spPr>
           <a:xfrm flipH="1" flipV="1">
-            <a:off x="8825731" y="1827781"/>
+            <a:off x="8686031" y="1827781"/>
             <a:ext cx="3672" cy="347681"/>
           </a:xfrm>
           <a:prstGeom prst="line">
@@ -12046,7 +12046,7 @@
         </p:nvCxnSpPr>
         <p:spPr>
           <a:xfrm flipH="1" flipV="1">
-            <a:off x="8571064" y="1827530"/>
+            <a:off x="8444064" y="1827530"/>
             <a:ext cx="3672" cy="347681"/>
           </a:xfrm>
           <a:prstGeom prst="line">
@@ -12082,7 +12082,7 @@
         </p:nvCxnSpPr>
         <p:spPr>
           <a:xfrm flipH="1" flipV="1">
-            <a:off x="9246435" y="1815081"/>
+            <a:off x="9119435" y="1815081"/>
             <a:ext cx="3672" cy="347681"/>
           </a:xfrm>
           <a:prstGeom prst="line">
@@ -12118,7 +12118,7 @@
         </p:nvSpPr>
         <p:spPr>
           <a:xfrm>
-            <a:off x="9053932" y="1829344"/>
+            <a:off x="8926932" y="1829344"/>
             <a:ext cx="403680" cy="261842"/>
           </a:xfrm>
           <a:prstGeom prst="star5">
@@ -12165,7 +12165,7 @@
         </p:nvCxnSpPr>
         <p:spPr>
           <a:xfrm flipH="1">
-            <a:off x="9306072" y="1595385"/>
+            <a:off x="9179072" y="1595385"/>
             <a:ext cx="1527028" cy="322545"/>
           </a:xfrm>
           <a:prstGeom prst="line">
@@ -12202,7 +12202,7 @@
         </p:nvCxnSpPr>
         <p:spPr>
           <a:xfrm flipH="1">
-            <a:off x="7607187" y="931071"/>
+            <a:off x="7480187" y="931071"/>
             <a:ext cx="2883013" cy="339981"/>
           </a:xfrm>
           <a:prstGeom prst="line">
@@ -12239,7 +12239,7 @@
         </p:nvCxnSpPr>
         <p:spPr>
           <a:xfrm>
-            <a:off x="10833100" y="0"/>
+            <a:off x="10706100" y="0"/>
             <a:ext cx="0" cy="1595385"/>
           </a:xfrm>
           <a:prstGeom prst="line">
@@ -12276,7 +12276,7 @@
         </p:nvCxnSpPr>
         <p:spPr>
           <a:xfrm>
-            <a:off x="10490200" y="0"/>
+            <a:off x="10363200" y="0"/>
             <a:ext cx="0" cy="931071"/>
           </a:xfrm>
           <a:prstGeom prst="line">
@@ -12313,7 +12313,7 @@
         </p:nvCxnSpPr>
         <p:spPr>
           <a:xfrm flipH="1">
-            <a:off x="8392682" y="516153"/>
+            <a:off x="8265682" y="516153"/>
             <a:ext cx="1845186" cy="224234"/>
           </a:xfrm>
           <a:prstGeom prst="line">
@@ -12350,7 +12350,7 @@
         </p:nvSpPr>
         <p:spPr>
           <a:xfrm>
-            <a:off x="7444767" y="1125232"/>
+            <a:off x="7317767" y="1125232"/>
             <a:ext cx="403680" cy="261842"/>
           </a:xfrm>
           <a:prstGeom prst="star5">
@@ -12397,7 +12397,7 @@
         </p:nvSpPr>
         <p:spPr>
           <a:xfrm>
-            <a:off x="8091688" y="600841"/>
+            <a:off x="7964688" y="600841"/>
             <a:ext cx="403680" cy="261842"/>
           </a:xfrm>
           <a:prstGeom prst="star5">
@@ -12444,7 +12444,7 @@
         </p:nvCxnSpPr>
         <p:spPr>
           <a:xfrm flipV="1">
-            <a:off x="10237868" y="-388536"/>
+            <a:off x="10110868" y="-388536"/>
             <a:ext cx="0" cy="871753"/>
           </a:xfrm>
           <a:prstGeom prst="line">
@@ -12481,7 +12481,7 @@
         </p:nvCxnSpPr>
         <p:spPr>
           <a:xfrm flipH="1">
-            <a:off x="7829096" y="209365"/>
+            <a:off x="7702096" y="209365"/>
             <a:ext cx="2093697" cy="268106"/>
           </a:xfrm>
           <a:prstGeom prst="line">
@@ -12513,14 +12513,12 @@
       <p:cxnSp>
         <p:nvCxnSpPr>
           <p:cNvPr id="226" name="Straight Connector 225"/>
-          <p:cNvCxnSpPr>
-            <a:stCxn id="185" idx="23"/>
-          </p:cNvCxnSpPr>
+          <p:cNvCxnSpPr/>
           <p:nvPr/>
         </p:nvCxnSpPr>
         <p:spPr>
           <a:xfrm>
-            <a:off x="9922793" y="-561512"/>
+            <a:off x="9795793" y="-561512"/>
             <a:ext cx="31141" cy="770877"/>
           </a:xfrm>
           <a:prstGeom prst="line">
@@ -12701,7 +12699,7 @@
         </p:nvSpPr>
         <p:spPr>
           <a:xfrm>
-            <a:off x="4774940" y="-100498"/>
+            <a:off x="4432040" y="-100498"/>
             <a:ext cx="237640" cy="369332"/>
           </a:xfrm>
           <a:prstGeom prst="rect">
@@ -12737,7 +12735,7 @@
         </p:nvSpPr>
         <p:spPr>
           <a:xfrm>
-            <a:off x="5020874" y="-90399"/>
+            <a:off x="4817674" y="-90399"/>
             <a:ext cx="287233" cy="369332"/>
           </a:xfrm>
           <a:prstGeom prst="rect">
@@ -12773,7 +12771,7 @@
         </p:nvSpPr>
         <p:spPr>
           <a:xfrm>
-            <a:off x="5380420" y="-90240"/>
+            <a:off x="5037520" y="-90240"/>
             <a:ext cx="338517" cy="369332"/>
           </a:xfrm>
           <a:prstGeom prst="rect">
@@ -12875,7 +12873,7 @@
         </p:nvSpPr>
         <p:spPr>
           <a:xfrm>
-            <a:off x="6504733" y="-128340"/>
+            <a:off x="6377733" y="-128340"/>
             <a:ext cx="364202" cy="461665"/>
           </a:xfrm>
           <a:prstGeom prst="rect">
@@ -12935,7 +12933,7 @@
         </p:nvSpPr>
         <p:spPr>
           <a:xfrm>
-            <a:off x="9491288" y="1817438"/>
+            <a:off x="9364288" y="1817438"/>
             <a:ext cx="1516561" cy="353943"/>
           </a:xfrm>
           <a:prstGeom prst="rect">
@@ -12965,7 +12963,7 @@
         </p:nvSpPr>
         <p:spPr>
           <a:xfrm>
-            <a:off x="7952109" y="-128342"/>
+            <a:off x="7825109" y="-128342"/>
             <a:ext cx="1553768" cy="369332"/>
           </a:xfrm>
           <a:prstGeom prst="rect">
@@ -12995,7 +12993,7 @@
         </p:nvCxnSpPr>
         <p:spPr>
           <a:xfrm flipV="1">
-            <a:off x="7918999" y="-711200"/>
+            <a:off x="7791999" y="-711200"/>
             <a:ext cx="0" cy="1060030"/>
           </a:xfrm>
           <a:prstGeom prst="line">
